--- a/Intro_to_JavaScript.pptx
+++ b/Intro_to_JavaScript.pptx
@@ -11370,7 +11370,7 @@
                   <a:srgbClr val="595959"/>
                 </a:solidFill>
               </a:rPr>
-              <a:t>Hello, ${yourName}</a:t>
+              <a:t>Hey, ${yourName}</a:t>
             </a:r>
             <a:r>
               <a:rPr b="1" lang="en" sz="1900">
@@ -11788,7 +11788,7 @@
         <p:spPr>
           <a:xfrm>
             <a:off x="311700" y="1004975"/>
-            <a:ext cx="5804400" cy="2987100"/>
+            <a:ext cx="6117600" cy="2987100"/>
           </a:xfrm>
           <a:prstGeom prst="rect">
             <a:avLst/>
@@ -14490,8 +14490,8 @@
         </p:nvSpPr>
         <p:spPr>
           <a:xfrm>
-            <a:off x="4732500" y="1058775"/>
-            <a:ext cx="3471000" cy="3731100"/>
+            <a:off x="4715700" y="1017725"/>
+            <a:ext cx="4024800" cy="3731100"/>
           </a:xfrm>
           <a:prstGeom prst="rect">
             <a:avLst/>
@@ -14556,6 +14556,37 @@
                   <a:srgbClr val="595959"/>
                 </a:solidFill>
               </a:rPr>
+              <a:t>let fruits = ['banana', 'apple', 'orange', 'pineapple'];</a:t>
+            </a:r>
+            <a:endParaRPr b="1" sz="1200">
+              <a:solidFill>
+                <a:srgbClr val="595959"/>
+              </a:solidFill>
+            </a:endParaRPr>
+          </a:p>
+          <a:p>
+            <a:pPr indent="-336550" lvl="0" marL="457200" rtl="0" algn="l">
+              <a:lnSpc>
+                <a:spcPct val="150000"/>
+              </a:lnSpc>
+              <a:spcBef>
+                <a:spcPts val="0"/>
+              </a:spcBef>
+              <a:spcAft>
+                <a:spcPts val="0"/>
+              </a:spcAft>
+              <a:buClr>
+                <a:srgbClr val="595959"/>
+              </a:buClr>
+              <a:buSzPts val="1700"/>
+              <a:buChar char="●"/>
+            </a:pPr>
+            <a:r>
+              <a:rPr b="1" lang="en" sz="1200">
+                <a:solidFill>
+                  <a:srgbClr val="595959"/>
+                </a:solidFill>
+              </a:rPr>
               <a:t>for (let i = 0; i&lt;fruits.length; i++) {</a:t>
             </a:r>
             <a:endParaRPr b="1" sz="1200">
@@ -14637,7 +14668,7 @@
                   <a:srgbClr val="595959"/>
                 </a:solidFill>
               </a:rPr>
-              <a:t>adding things to array</a:t>
+              <a:t>Adding things to array</a:t>
             </a:r>
             <a:endParaRPr b="1" sz="1200">
               <a:solidFill>
@@ -15336,7 +15367,7 @@
         </p:nvSpPr>
         <p:spPr>
           <a:xfrm>
-            <a:off x="2617950" y="4686450"/>
+            <a:off x="2617950" y="4762650"/>
             <a:ext cx="3471000" cy="465300"/>
           </a:xfrm>
           <a:prstGeom prst="rect">
@@ -22565,8 +22596,8 @@
         </p:nvSpPr>
         <p:spPr>
           <a:xfrm>
-            <a:off x="7576950" y="4638200"/>
-            <a:ext cx="895500" cy="354000"/>
+            <a:off x="7576950" y="4553600"/>
+            <a:ext cx="895500" cy="523200"/>
           </a:xfrm>
           <a:prstGeom prst="rect">
             <a:avLst/>
@@ -22598,6 +22629,30 @@
                 </a:solidFill>
               </a:rPr>
               <a:t>index.html</a:t>
+            </a:r>
+            <a:endParaRPr sz="1100">
+              <a:solidFill>
+                <a:schemeClr val="dk1"/>
+              </a:solidFill>
+            </a:endParaRPr>
+          </a:p>
+          <a:p>
+            <a:pPr indent="0" lvl="0" marL="0" rtl="0" algn="l">
+              <a:spcBef>
+                <a:spcPts val="0"/>
+              </a:spcBef>
+              <a:spcAft>
+                <a:spcPts val="0"/>
+              </a:spcAft>
+              <a:buNone/>
+            </a:pPr>
+            <a:r>
+              <a:rPr lang="en" sz="1100">
+                <a:solidFill>
+                  <a:schemeClr val="dk1"/>
+                </a:solidFill>
+              </a:rPr>
+              <a:t>form.html</a:t>
             </a:r>
             <a:endParaRPr sz="1100">
               <a:solidFill>
@@ -25751,7 +25806,7 @@
                   <a:schemeClr val="dk2"/>
                 </a:solidFill>
               </a:rPr>
-              <a:t>document.write(“Hello, world!”);</a:t>
+              <a:t>document.write(“Hello world, from JavaScript”);</a:t>
             </a:r>
             <a:endParaRPr b="1" sz="1800">
               <a:solidFill>
